--- a/Java Урок 22 Колекції. List. Queue.pptx
+++ b/Java Урок 22 Колекції. List. Queue.pptx
@@ -222,7 +222,7 @@
           <a:p>
             <a:fld id="{5A4F87D7-911E-4527-9694-9D5C84DC07D1}" type="datetimeFigureOut">
               <a:rPr lang="uk-UA" smtClean="0"/>
-              <a:t>02.01.2024</a:t>
+              <a:t>17.01.2024</a:t>
             </a:fld>
             <a:endParaRPr lang="uk-UA"/>
           </a:p>
@@ -893,7 +893,7 @@
           <a:p>
             <a:fld id="{D0D32466-2303-42CB-9FA8-8B6EFE5FE206}" type="datetimeFigureOut">
               <a:rPr lang="uk-UA" smtClean="0"/>
-              <a:t>02.01.2024</a:t>
+              <a:t>17.01.2024</a:t>
             </a:fld>
             <a:endParaRPr lang="uk-UA"/>
           </a:p>
@@ -1093,7 +1093,7 @@
           <a:p>
             <a:fld id="{D0D32466-2303-42CB-9FA8-8B6EFE5FE206}" type="datetimeFigureOut">
               <a:rPr lang="uk-UA" smtClean="0"/>
-              <a:t>02.01.2024</a:t>
+              <a:t>17.01.2024</a:t>
             </a:fld>
             <a:endParaRPr lang="uk-UA"/>
           </a:p>
@@ -1303,7 +1303,7 @@
           <a:p>
             <a:fld id="{D0D32466-2303-42CB-9FA8-8B6EFE5FE206}" type="datetimeFigureOut">
               <a:rPr lang="uk-UA" smtClean="0"/>
-              <a:t>02.01.2024</a:t>
+              <a:t>17.01.2024</a:t>
             </a:fld>
             <a:endParaRPr lang="uk-UA"/>
           </a:p>
@@ -1503,7 +1503,7 @@
           <a:p>
             <a:fld id="{D0D32466-2303-42CB-9FA8-8B6EFE5FE206}" type="datetimeFigureOut">
               <a:rPr lang="uk-UA" smtClean="0"/>
-              <a:t>02.01.2024</a:t>
+              <a:t>17.01.2024</a:t>
             </a:fld>
             <a:endParaRPr lang="uk-UA"/>
           </a:p>
@@ -1779,7 +1779,7 @@
           <a:p>
             <a:fld id="{D0D32466-2303-42CB-9FA8-8B6EFE5FE206}" type="datetimeFigureOut">
               <a:rPr lang="uk-UA" smtClean="0"/>
-              <a:t>02.01.2024</a:t>
+              <a:t>17.01.2024</a:t>
             </a:fld>
             <a:endParaRPr lang="uk-UA"/>
           </a:p>
@@ -2047,7 +2047,7 @@
           <a:p>
             <a:fld id="{D0D32466-2303-42CB-9FA8-8B6EFE5FE206}" type="datetimeFigureOut">
               <a:rPr lang="uk-UA" smtClean="0"/>
-              <a:t>02.01.2024</a:t>
+              <a:t>17.01.2024</a:t>
             </a:fld>
             <a:endParaRPr lang="uk-UA"/>
           </a:p>
@@ -2462,7 +2462,7 @@
           <a:p>
             <a:fld id="{D0D32466-2303-42CB-9FA8-8B6EFE5FE206}" type="datetimeFigureOut">
               <a:rPr lang="uk-UA" smtClean="0"/>
-              <a:t>02.01.2024</a:t>
+              <a:t>17.01.2024</a:t>
             </a:fld>
             <a:endParaRPr lang="uk-UA"/>
           </a:p>
@@ -2604,7 +2604,7 @@
           <a:p>
             <a:fld id="{D0D32466-2303-42CB-9FA8-8B6EFE5FE206}" type="datetimeFigureOut">
               <a:rPr lang="uk-UA" smtClean="0"/>
-              <a:t>02.01.2024</a:t>
+              <a:t>17.01.2024</a:t>
             </a:fld>
             <a:endParaRPr lang="uk-UA"/>
           </a:p>
@@ -2717,7 +2717,7 @@
           <a:p>
             <a:fld id="{D0D32466-2303-42CB-9FA8-8B6EFE5FE206}" type="datetimeFigureOut">
               <a:rPr lang="uk-UA" smtClean="0"/>
-              <a:t>02.01.2024</a:t>
+              <a:t>17.01.2024</a:t>
             </a:fld>
             <a:endParaRPr lang="uk-UA"/>
           </a:p>
@@ -3030,7 +3030,7 @@
           <a:p>
             <a:fld id="{D0D32466-2303-42CB-9FA8-8B6EFE5FE206}" type="datetimeFigureOut">
               <a:rPr lang="uk-UA" smtClean="0"/>
-              <a:t>02.01.2024</a:t>
+              <a:t>17.01.2024</a:t>
             </a:fld>
             <a:endParaRPr lang="uk-UA"/>
           </a:p>
@@ -3319,7 +3319,7 @@
           <a:p>
             <a:fld id="{D0D32466-2303-42CB-9FA8-8B6EFE5FE206}" type="datetimeFigureOut">
               <a:rPr lang="uk-UA" smtClean="0"/>
-              <a:t>02.01.2024</a:t>
+              <a:t>17.01.2024</a:t>
             </a:fld>
             <a:endParaRPr lang="uk-UA"/>
           </a:p>
@@ -3562,7 +3562,7 @@
           <a:p>
             <a:fld id="{D0D32466-2303-42CB-9FA8-8B6EFE5FE206}" type="datetimeFigureOut">
               <a:rPr lang="uk-UA" smtClean="0"/>
-              <a:t>02.01.2024</a:t>
+              <a:t>17.01.2024</a:t>
             </a:fld>
             <a:endParaRPr lang="uk-UA"/>
           </a:p>
@@ -6298,7 +6298,7 @@
         </p:blipFill>
         <p:spPr>
           <a:xfrm>
-            <a:off x="2949066" y="791852"/>
+            <a:off x="3052762" y="862012"/>
             <a:ext cx="6086475" cy="5133975"/>
           </a:xfrm>
           <a:prstGeom prst="rect">
@@ -17603,7 +17603,7 @@
           <a:graphicData uri="http://schemas.openxmlformats.org/presentationml/2006/ole">
             <mc:AlternateContent xmlns:mc="http://schemas.openxmlformats.org/markup-compatibility/2006">
               <mc:Choice xmlns:v="urn:schemas-microsoft-com:vml" Requires="v">
-                <p:oleObj spid="_x0000_s1060" name="Visio" r:id="rId3" imgW="4600642" imgH="3019529" progId="Visio.Drawing.11">
+                <p:oleObj spid="_x0000_s1062" name="Visio" r:id="rId3" imgW="4600642" imgH="3019529" progId="Visio.Drawing.11">
                   <p:embed/>
                 </p:oleObj>
               </mc:Choice>
@@ -17848,7 +17848,7 @@
           <a:graphicData uri="http://schemas.openxmlformats.org/presentationml/2006/ole">
             <mc:AlternateContent xmlns:mc="http://schemas.openxmlformats.org/markup-compatibility/2006">
               <mc:Choice xmlns:v="urn:schemas-microsoft-com:vml" Requires="v">
-                <p:oleObj spid="_x0000_s1061" name="Visio" r:id="rId5" imgW="2876769" imgH="752662" progId="Visio.Drawing.11">
+                <p:oleObj spid="_x0000_s1063" name="Visio" r:id="rId5" imgW="2876769" imgH="752662" progId="Visio.Drawing.11">
                   <p:embed/>
                 </p:oleObj>
               </mc:Choice>
